--- a/PowerPoint.pptx
+++ b/PowerPoint.pptx
@@ -238,14 +238,14 @@
           <a:effectLst/>
           <a:extLst>
             <a:ext uri="{909E8E84-426E-40dd-AFC4-6F175D3DCCD1}">
-              <a14:hiddenFill xmlns:a14="http://schemas.microsoft.com/office/drawing/2010/main" xmlns="">
+              <a14:hiddenFill xmlns="" xmlns:a14="http://schemas.microsoft.com/office/drawing/2010/main">
                 <a:solidFill>
                   <a:srgbClr val="FFFFFF"/>
                 </a:solidFill>
               </a14:hiddenFill>
             </a:ext>
             <a:ext uri="{91240B29-F687-4f45-9708-019B960494DF}">
-              <a14:hiddenLine xmlns:a14="http://schemas.microsoft.com/office/drawing/2010/main" xmlns="" w="12700" cap="rnd" cmpd="sng">
+              <a14:hiddenLine xmlns="" xmlns:a14="http://schemas.microsoft.com/office/drawing/2010/main" w="12700" cap="rnd" cmpd="sng">
                 <a:solidFill>
                   <a:srgbClr val="000000"/>
                 </a:solidFill>
@@ -256,7 +256,7 @@
               </a14:hiddenLine>
             </a:ext>
             <a:ext uri="{AF507438-7753-43e0-B8FC-AC1667EBCBE1}">
-              <a14:hiddenEffects xmlns:a14="http://schemas.microsoft.com/office/drawing/2010/main" xmlns="">
+              <a14:hiddenEffects xmlns="" xmlns:a14="http://schemas.microsoft.com/office/drawing/2010/main">
                 <a:effectLst>
                   <a:outerShdw blurRad="63500" dist="38099" dir="2700000" algn="ctr" rotWithShape="0">
                     <a:srgbClr val="000000">
@@ -267,7 +267,7 @@
               </a14:hiddenEffects>
             </a:ext>
             <a:ext uri="{FAA26D3D-D897-4be2-8F04-BA451C77F1D7}">
-              <ma14:placeholderFlag xmlns:ma14="http://schemas.microsoft.com/office/mac/drawingml/2011/main" xmlns="" val="1"/>
+              <ma14:placeholderFlag xmlns="" xmlns:ma14="http://schemas.microsoft.com/office/mac/drawingml/2011/main" val="1"/>
             </a:ext>
           </a:extLst>
         </p:spPr>
@@ -297,14 +297,14 @@
           <a:effectLst/>
           <a:extLst>
             <a:ext uri="{909E8E84-426E-40dd-AFC4-6F175D3DCCD1}">
-              <a14:hiddenFill xmlns:a14="http://schemas.microsoft.com/office/drawing/2010/main" xmlns="">
+              <a14:hiddenFill xmlns="" xmlns:a14="http://schemas.microsoft.com/office/drawing/2010/main">
                 <a:solidFill>
                   <a:srgbClr val="FFFFFF"/>
                 </a:solidFill>
               </a14:hiddenFill>
             </a:ext>
             <a:ext uri="{91240B29-F687-4f45-9708-019B960494DF}">
-              <a14:hiddenLine xmlns:a14="http://schemas.microsoft.com/office/drawing/2010/main" xmlns="" w="12700" cap="rnd" cmpd="sng">
+              <a14:hiddenLine xmlns="" xmlns:a14="http://schemas.microsoft.com/office/drawing/2010/main" w="12700" cap="rnd" cmpd="sng">
                 <a:solidFill>
                   <a:srgbClr val="000000"/>
                 </a:solidFill>
@@ -315,7 +315,7 @@
               </a14:hiddenLine>
             </a:ext>
             <a:ext uri="{AF507438-7753-43e0-B8FC-AC1667EBCBE1}">
-              <a14:hiddenEffects xmlns:a14="http://schemas.microsoft.com/office/drawing/2010/main" xmlns="">
+              <a14:hiddenEffects xmlns="" xmlns:a14="http://schemas.microsoft.com/office/drawing/2010/main">
                 <a:effectLst>
                   <a:outerShdw blurRad="63500" dist="38099" dir="2700000" algn="ctr" rotWithShape="0">
                     <a:srgbClr val="000000">
@@ -326,7 +326,7 @@
               </a14:hiddenEffects>
             </a:ext>
             <a:ext uri="{FAA26D3D-D897-4be2-8F04-BA451C77F1D7}">
-              <ma14:placeholderFlag xmlns:ma14="http://schemas.microsoft.com/office/mac/drawingml/2011/main" xmlns="" val="1"/>
+              <ma14:placeholderFlag xmlns="" xmlns:ma14="http://schemas.microsoft.com/office/mac/drawingml/2011/main" val="1"/>
             </a:ext>
           </a:extLst>
         </p:spPr>
@@ -2513,7 +2513,7 @@
           <a:effectLst/>
           <a:extLst>
             <a:ext uri="{AF507438-7753-43e0-B8FC-AC1667EBCBE1}">
-              <a14:hiddenEffects xmlns:a14="http://schemas.microsoft.com/office/drawing/2010/main" xmlns="">
+              <a14:hiddenEffects xmlns="" xmlns:a14="http://schemas.microsoft.com/office/drawing/2010/main">
                 <a:effectLst>
                   <a:outerShdw blurRad="63500" dist="38099" dir="2700000" algn="ctr" rotWithShape="0">
                     <a:srgbClr val="000000">
@@ -3004,8 +3004,8 @@
         </p:nvSpPr>
         <p:spPr>
           <a:xfrm>
-            <a:off x="1770733" y="1904999"/>
-            <a:ext cx="14753554" cy="11263779"/>
+            <a:off x="1" y="0"/>
+            <a:ext cx="18288000" cy="13716000"/>
           </a:xfrm>
           <a:prstGeom prst="rect">
             <a:avLst/>
@@ -3061,7 +3061,7 @@
         </p:nvGrpSpPr>
         <p:grpSpPr bwMode="auto">
           <a:xfrm>
-            <a:off x="4114800" y="2895608"/>
+            <a:off x="2939255" y="3041654"/>
             <a:ext cx="12409487" cy="7632692"/>
             <a:chOff x="4140144" y="-277745"/>
             <a:chExt cx="10621821" cy="7631046"/>
@@ -3133,14 +3133,14 @@
             <a:effectLst/>
             <a:extLst>
               <a:ext uri="{909E8E84-426E-40dd-AFC4-6F175D3DCCD1}">
-                <a14:hiddenFill xmlns:a14="http://schemas.microsoft.com/office/drawing/2010/main" xmlns="">
+                <a14:hiddenFill xmlns="" xmlns:a14="http://schemas.microsoft.com/office/drawing/2010/main">
                   <a:solidFill>
                     <a:srgbClr val="FFFFFF"/>
                   </a:solidFill>
                 </a14:hiddenFill>
               </a:ext>
               <a:ext uri="{91240B29-F687-4f45-9708-019B960494DF}">
-                <a14:hiddenLine xmlns:a14="http://schemas.microsoft.com/office/drawing/2010/main" xmlns="" w="12700" cap="flat" cmpd="sng">
+                <a14:hiddenLine xmlns="" xmlns:a14="http://schemas.microsoft.com/office/drawing/2010/main" w="12700" cap="flat" cmpd="sng">
                   <a:solidFill>
                     <a:srgbClr val="000000"/>
                   </a:solidFill>
@@ -3151,7 +3151,7 @@
                 </a14:hiddenLine>
               </a:ext>
               <a:ext uri="{AF507438-7753-43e0-B8FC-AC1667EBCBE1}">
-                <a14:hiddenEffects xmlns:a14="http://schemas.microsoft.com/office/drawing/2010/main" xmlns="">
+                <a14:hiddenEffects xmlns="" xmlns:a14="http://schemas.microsoft.com/office/drawing/2010/main">
                   <a:effectLst>
                     <a:outerShdw blurRad="63500" dist="38099" dir="2700000" algn="ctr" rotWithShape="0">
                       <a:srgbClr val="000000">
@@ -3281,14 +3281,14 @@
             <a:effectLst/>
             <a:extLst>
               <a:ext uri="{909E8E84-426E-40dd-AFC4-6F175D3DCCD1}">
-                <a14:hiddenFill xmlns:a14="http://schemas.microsoft.com/office/drawing/2010/main" xmlns="">
+                <a14:hiddenFill xmlns="" xmlns:a14="http://schemas.microsoft.com/office/drawing/2010/main">
                   <a:solidFill>
                     <a:srgbClr val="FFFFFF"/>
                   </a:solidFill>
                 </a14:hiddenFill>
               </a:ext>
               <a:ext uri="{91240B29-F687-4f45-9708-019B960494DF}">
-                <a14:hiddenLine xmlns:a14="http://schemas.microsoft.com/office/drawing/2010/main" xmlns="" w="12700" cap="flat" cmpd="sng">
+                <a14:hiddenLine xmlns="" xmlns:a14="http://schemas.microsoft.com/office/drawing/2010/main" w="12700" cap="flat" cmpd="sng">
                   <a:solidFill>
                     <a:srgbClr val="000000"/>
                   </a:solidFill>
@@ -3299,7 +3299,7 @@
                 </a14:hiddenLine>
               </a:ext>
               <a:ext uri="{AF507438-7753-43e0-B8FC-AC1667EBCBE1}">
-                <a14:hiddenEffects xmlns:a14="http://schemas.microsoft.com/office/drawing/2010/main" xmlns="">
+                <a14:hiddenEffects xmlns="" xmlns:a14="http://schemas.microsoft.com/office/drawing/2010/main">
                   <a:effectLst>
                     <a:outerShdw blurRad="63500" dist="38099" dir="2700000" algn="ctr" rotWithShape="0">
                       <a:srgbClr val="000000">
@@ -3327,95 +3327,7 @@
                   <a:cs typeface="Open Sans" charset="0"/>
                   <a:sym typeface="Open Sans" charset="0"/>
                 </a:rPr>
-                <a:t>Melvin </a:t>
-              </a:r>
-              <a:r>
-                <a:rPr lang="en-US" sz="4400" i="1" dirty="0" err="1">
-                  <a:solidFill>
-                    <a:schemeClr val="bg1"/>
-                  </a:solidFill>
-                  <a:latin typeface="Open Sans" charset="0"/>
-                  <a:cs typeface="Open Sans" charset="0"/>
-                  <a:sym typeface="Open Sans" charset="0"/>
-                </a:rPr>
-                <a:t>Gachet</a:t>
-              </a:r>
-              <a:r>
-                <a:rPr lang="en-US" sz="4400" i="1" dirty="0">
-                  <a:solidFill>
-                    <a:schemeClr val="bg1"/>
-                  </a:solidFill>
-                  <a:latin typeface="Open Sans" charset="0"/>
-                  <a:cs typeface="Open Sans" charset="0"/>
-                  <a:sym typeface="Open Sans" charset="0"/>
-                </a:rPr>
-                <a:t>, </a:t>
-              </a:r>
-              <a:r>
-                <a:rPr lang="en-US" sz="4400" i="1" dirty="0" err="1">
-                  <a:solidFill>
-                    <a:schemeClr val="bg1"/>
-                  </a:solidFill>
-                  <a:latin typeface="Open Sans" charset="0"/>
-                  <a:cs typeface="Open Sans" charset="0"/>
-                  <a:sym typeface="Open Sans" charset="0"/>
-                </a:rPr>
-                <a:t>Héloïse</a:t>
-              </a:r>
-              <a:r>
-                <a:rPr lang="en-US" sz="4400" i="1" dirty="0">
-                  <a:solidFill>
-                    <a:schemeClr val="bg1"/>
-                  </a:solidFill>
-                  <a:latin typeface="Open Sans" charset="0"/>
-                  <a:cs typeface="Open Sans" charset="0"/>
-                  <a:sym typeface="Open Sans" charset="0"/>
-                </a:rPr>
-                <a:t> </a:t>
-              </a:r>
-              <a:r>
-                <a:rPr lang="en-US" sz="4400" i="1" dirty="0" err="1">
-                  <a:solidFill>
-                    <a:schemeClr val="bg1"/>
-                  </a:solidFill>
-                  <a:latin typeface="Open Sans" charset="0"/>
-                  <a:cs typeface="Open Sans" charset="0"/>
-                  <a:sym typeface="Open Sans" charset="0"/>
-                </a:rPr>
-                <a:t>Gallet</a:t>
-              </a:r>
-              <a:r>
-                <a:rPr lang="en-US" sz="4400" i="1" dirty="0">
-                  <a:solidFill>
-                    <a:schemeClr val="bg1"/>
-                  </a:solidFill>
-                  <a:latin typeface="Open Sans" charset="0"/>
-                  <a:cs typeface="Open Sans" charset="0"/>
-                  <a:sym typeface="Open Sans" charset="0"/>
-                </a:rPr>
-                <a:t>, William </a:t>
-              </a:r>
-              <a:r>
-                <a:rPr lang="en-US" sz="4400" i="1" dirty="0" err="1">
-                  <a:solidFill>
-                    <a:schemeClr val="bg1"/>
-                  </a:solidFill>
-                  <a:latin typeface="Open Sans" charset="0"/>
-                  <a:cs typeface="Open Sans" charset="0"/>
-                  <a:sym typeface="Open Sans" charset="0"/>
-                </a:rPr>
-                <a:t>Maignent</a:t>
-              </a:r>
-              <a:r>
-                <a:rPr lang="en-US" sz="4400" i="1" dirty="0">
-                  <a:solidFill>
-                    <a:schemeClr val="bg1"/>
-                  </a:solidFill>
-                  <a:latin typeface="Open Sans" charset="0"/>
-                  <a:cs typeface="Open Sans" charset="0"/>
-                  <a:sym typeface="Open Sans" charset="0"/>
-                </a:rPr>
-                <a:t>, Loïc Pilon </a:t>
+                <a:t>Melvin GACHET, Héloïse GALLET, William MAIGNENT, Loïc PILON</a:t>
               </a:r>
               <a:endParaRPr lang="en-US" sz="4400" b="1" i="1" dirty="0">
                 <a:solidFill>
@@ -3473,12 +3385,12 @@
               <a:effectLst/>
               <a:extLst>
                 <a:ext uri="{909E8E84-426E-40dd-AFC4-6F175D3DCCD1}">
-                  <a14:hiddenFill xmlns:a14="http://schemas.microsoft.com/office/drawing/2010/main" xmlns="">
+                  <a14:hiddenFill xmlns="" xmlns:a14="http://schemas.microsoft.com/office/drawing/2010/main">
                     <a:noFill/>
                   </a14:hiddenFill>
                 </a:ext>
                 <a:ext uri="{AF507438-7753-43e0-B8FC-AC1667EBCBE1}">
-                  <a14:hiddenEffects xmlns:a14="http://schemas.microsoft.com/office/drawing/2010/main" xmlns="">
+                  <a14:hiddenEffects xmlns="" xmlns:a14="http://schemas.microsoft.com/office/drawing/2010/main">
                     <a:effectLst>
                       <a:outerShdw blurRad="63500" dist="38099" dir="2700000" algn="ctr" rotWithShape="0">
                         <a:srgbClr val="000000">
@@ -3534,12 +3446,12 @@
               <a:effectLst/>
               <a:extLst>
                 <a:ext uri="{909E8E84-426E-40dd-AFC4-6F175D3DCCD1}">
-                  <a14:hiddenFill xmlns:a14="http://schemas.microsoft.com/office/drawing/2010/main" xmlns="">
+                  <a14:hiddenFill xmlns="" xmlns:a14="http://schemas.microsoft.com/office/drawing/2010/main">
                     <a:noFill/>
                   </a14:hiddenFill>
                 </a:ext>
                 <a:ext uri="{AF507438-7753-43e0-B8FC-AC1667EBCBE1}">
-                  <a14:hiddenEffects xmlns:a14="http://schemas.microsoft.com/office/drawing/2010/main" xmlns="">
+                  <a14:hiddenEffects xmlns="" xmlns:a14="http://schemas.microsoft.com/office/drawing/2010/main">
                     <a:effectLst>
                       <a:outerShdw blurRad="63500" dist="38099" dir="2700000" algn="ctr" rotWithShape="0">
                         <a:srgbClr val="000000">
@@ -3634,14 +3546,14 @@
           <a:effectLst/>
           <a:extLst>
             <a:ext uri="{909E8E84-426E-40dd-AFC4-6F175D3DCCD1}">
-              <a14:hiddenFill xmlns:a14="http://schemas.microsoft.com/office/drawing/2010/main" xmlns="">
+              <a14:hiddenFill xmlns="" xmlns:a14="http://schemas.microsoft.com/office/drawing/2010/main">
                 <a:solidFill>
                   <a:srgbClr val="FFFFFF"/>
                 </a:solidFill>
               </a14:hiddenFill>
             </a:ext>
             <a:ext uri="{91240B29-F687-4f45-9708-019B960494DF}">
-              <a14:hiddenLine xmlns:a14="http://schemas.microsoft.com/office/drawing/2010/main" xmlns="" w="12700" cap="flat" cmpd="sng">
+              <a14:hiddenLine xmlns="" xmlns:a14="http://schemas.microsoft.com/office/drawing/2010/main" w="12700" cap="flat" cmpd="sng">
                 <a:solidFill>
                   <a:srgbClr val="000000"/>
                 </a:solidFill>
@@ -3652,7 +3564,7 @@
               </a14:hiddenLine>
             </a:ext>
             <a:ext uri="{AF507438-7753-43e0-B8FC-AC1667EBCBE1}">
-              <a14:hiddenEffects xmlns:a14="http://schemas.microsoft.com/office/drawing/2010/main" xmlns="">
+              <a14:hiddenEffects xmlns="" xmlns:a14="http://schemas.microsoft.com/office/drawing/2010/main">
                 <a:effectLst>
                   <a:outerShdw blurRad="63500" dist="38099" dir="2700000" algn="ctr" rotWithShape="0">
                     <a:srgbClr val="000000">
@@ -3690,49 +3602,42 @@
       </p:sp>
       <p:pic>
         <p:nvPicPr>
-          <p:cNvPr id="14" name="Picture 4">
+          <p:cNvPr id="4" name="Image 3" descr="Une image contenant texte&#10;&#10;Description générée automatiquement">
             <a:extLst>
               <a:ext uri="{FF2B5EF4-FFF2-40B4-BE49-F238E27FC236}">
-                <a16:creationId xmlns:a16="http://schemas.microsoft.com/office/drawing/2014/main" id="{0D81DF33-ECDC-4DC4-AC56-A1489BDDF0DD}"/>
+                <a16:creationId xmlns:a16="http://schemas.microsoft.com/office/drawing/2014/main" id="{159E7E5B-8466-4EE5-87B4-F59EB01D2BAC}"/>
               </a:ext>
             </a:extLst>
           </p:cNvPr>
           <p:cNvPicPr>
-            <a:picLocks noChangeAspect="1" noChangeArrowheads="1"/>
+            <a:picLocks noChangeAspect="1"/>
           </p:cNvPicPr>
           <p:nvPr/>
         </p:nvPicPr>
         <p:blipFill>
-          <a:blip r:embed="rId2">
-            <a:extLst>
-              <a:ext uri="{28A0092B-C50C-407E-A947-70E740481C1C}">
-                <a14:useLocalDpi xmlns:a14="http://schemas.microsoft.com/office/drawing/2010/main" val="0"/>
-              </a:ext>
-            </a:extLst>
-          </a:blip>
-          <a:srcRect/>
+          <a:blip r:embed="rId2"/>
           <a:stretch>
             <a:fillRect/>
           </a:stretch>
         </p:blipFill>
-        <p:spPr bwMode="auto">
+        <p:spPr>
           <a:xfrm>
-            <a:off x="14498851" y="0"/>
-            <a:ext cx="3775702" cy="1905000"/>
+            <a:off x="15341815" y="0"/>
+            <a:ext cx="2896004" cy="1409897"/>
           </a:xfrm>
           <a:prstGeom prst="rect">
             <a:avLst/>
           </a:prstGeom>
-          <a:noFill/>
-          <a:extLst>
-            <a:ext uri="{909E8E84-426E-40DD-AFC4-6F175D3DCCD1}">
-              <a14:hiddenFill xmlns:a14="http://schemas.microsoft.com/office/drawing/2010/main">
-                <a:solidFill>
-                  <a:srgbClr val="FFFFFF"/>
-                </a:solidFill>
-              </a14:hiddenFill>
-            </a:ext>
-          </a:extLst>
+          <a:ln>
+            <a:noFill/>
+          </a:ln>
+          <a:effectLst>
+            <a:outerShdw blurRad="292100" dist="139700" dir="2700000" algn="tl" rotWithShape="0">
+              <a:srgbClr val="333333">
+                <a:alpha val="65000"/>
+              </a:srgbClr>
+            </a:outerShdw>
+          </a:effectLst>
         </p:spPr>
       </p:pic>
     </p:spTree>
@@ -3836,7 +3741,7 @@
         </p:nvSpPr>
         <p:spPr bwMode="auto">
           <a:xfrm>
-            <a:off x="767152" y="5617829"/>
+            <a:off x="-65624" y="5645044"/>
             <a:ext cx="6901154" cy="1448177"/>
           </a:xfrm>
           <a:custGeom>
@@ -3892,14 +3797,14 @@
           <a:effectLst/>
           <a:extLst>
             <a:ext uri="{909E8E84-426E-40dd-AFC4-6F175D3DCCD1}">
-              <a14:hiddenFill xmlns="" xmlns:a14="http://schemas.microsoft.com/office/drawing/2010/main">
+              <a14:hiddenFill xmlns:a14="http://schemas.microsoft.com/office/drawing/2010/main" xmlns="">
                 <a:solidFill>
                   <a:srgbClr val="FFFFFF"/>
                 </a:solidFill>
               </a14:hiddenFill>
             </a:ext>
             <a:ext uri="{91240B29-F687-4f45-9708-019B960494DF}">
-              <a14:hiddenLine xmlns="" xmlns:a14="http://schemas.microsoft.com/office/drawing/2010/main" w="12700" cap="flat" cmpd="sng">
+              <a14:hiddenLine xmlns:a14="http://schemas.microsoft.com/office/drawing/2010/main" xmlns="" w="12700" cap="flat" cmpd="sng">
                 <a:solidFill>
                   <a:srgbClr val="000000"/>
                 </a:solidFill>
@@ -3910,7 +3815,7 @@
               </a14:hiddenLine>
             </a:ext>
             <a:ext uri="{AF507438-7753-43e0-B8FC-AC1667EBCBE1}">
-              <a14:hiddenEffects xmlns="" xmlns:a14="http://schemas.microsoft.com/office/drawing/2010/main">
+              <a14:hiddenEffects xmlns:a14="http://schemas.microsoft.com/office/drawing/2010/main" xmlns="">
                 <a:effectLst>
                   <a:outerShdw blurRad="63500" dist="38099" dir="2700000" algn="ctr" rotWithShape="0">
                     <a:srgbClr val="000000">
@@ -3930,7 +3835,7 @@
               <a:defRPr/>
             </a:pPr>
             <a:r>
-              <a:rPr lang="es-ES" sz="8627">
+              <a:rPr lang="es-ES" sz="8627" dirty="0">
                 <a:solidFill>
                   <a:schemeClr val="bg1"/>
                 </a:solidFill>
@@ -3952,7 +3857,7 @@
         </p:nvSpPr>
         <p:spPr bwMode="auto">
           <a:xfrm>
-            <a:off x="3384953" y="7238662"/>
+            <a:off x="2592457" y="7093221"/>
             <a:ext cx="1584992" cy="0"/>
           </a:xfrm>
           <a:prstGeom prst="line">
@@ -3971,12 +3876,12 @@
           <a:effectLst/>
           <a:extLst>
             <a:ext uri="{909E8E84-426E-40dd-AFC4-6F175D3DCCD1}">
-              <a14:hiddenFill xmlns="" xmlns:a14="http://schemas.microsoft.com/office/drawing/2010/main">
+              <a14:hiddenFill xmlns:a14="http://schemas.microsoft.com/office/drawing/2010/main" xmlns="">
                 <a:noFill/>
               </a14:hiddenFill>
             </a:ext>
             <a:ext uri="{AF507438-7753-43e0-B8FC-AC1667EBCBE1}">
-              <a14:hiddenEffects xmlns="" xmlns:a14="http://schemas.microsoft.com/office/drawing/2010/main">
+              <a14:hiddenEffects xmlns:a14="http://schemas.microsoft.com/office/drawing/2010/main" xmlns="">
                 <a:effectLst>
                   <a:outerShdw blurRad="63500" dist="38099" dir="2700000" algn="ctr" rotWithShape="0">
                     <a:srgbClr val="000000">
@@ -4021,7 +3926,7 @@
         <p:spPr>
           <a:xfrm>
             <a:off x="7711719" y="3136557"/>
-            <a:ext cx="10285132" cy="12375054"/>
+            <a:ext cx="10285132" cy="11728595"/>
           </a:xfrm>
           <a:prstGeom prst="rect">
             <a:avLst/>
@@ -4059,7 +3964,7 @@
           <a:p>
             <a:r>
               <a:rPr lang="fr-FR" sz="4201" dirty="0"/>
-              <a:t>	NOTRE PROJET</a:t>
+              <a:t>NOTRE PROJET</a:t>
             </a:r>
           </a:p>
           <a:p>
@@ -4077,13 +3982,7 @@
           <a:p>
             <a:r>
               <a:rPr lang="fr-FR" sz="4201" dirty="0"/>
-              <a:t>	</a:t>
-            </a:r>
-          </a:p>
-          <a:p>
-            <a:r>
-              <a:rPr lang="fr-FR" sz="4201" dirty="0"/>
-              <a:t> 	MISE EN PLACE DE GITHUB </a:t>
+              <a:t>	MISE EN PLACE DE GITHUB </a:t>
             </a:r>
           </a:p>
           <a:p>
@@ -4261,7 +4160,7 @@
         </p:nvSpPr>
         <p:spPr>
           <a:xfrm>
-            <a:off x="8050160" y="7668656"/>
+            <a:off x="8050160" y="7177171"/>
             <a:ext cx="833935" cy="484875"/>
           </a:xfrm>
           <a:prstGeom prst="rightArrow">
@@ -4303,49 +4202,42 @@
       </p:sp>
       <p:pic>
         <p:nvPicPr>
-          <p:cNvPr id="27" name="Picture 4">
+          <p:cNvPr id="12" name="Image 11" descr="Une image contenant texte&#10;&#10;Description générée automatiquement">
             <a:extLst>
               <a:ext uri="{FF2B5EF4-FFF2-40B4-BE49-F238E27FC236}">
-                <a16:creationId xmlns:a16="http://schemas.microsoft.com/office/drawing/2014/main" id="{A10BE72D-ED30-4A33-AB4C-62BED6411B1C}"/>
+                <a16:creationId xmlns:a16="http://schemas.microsoft.com/office/drawing/2014/main" id="{B5D9B48A-6E6F-452D-839F-21BCAE03ED09}"/>
               </a:ext>
             </a:extLst>
           </p:cNvPr>
           <p:cNvPicPr>
-            <a:picLocks noChangeAspect="1" noChangeArrowheads="1"/>
+            <a:picLocks noChangeAspect="1"/>
           </p:cNvPicPr>
           <p:nvPr/>
         </p:nvPicPr>
         <p:blipFill>
-          <a:blip r:embed="rId3">
-            <a:extLst>
-              <a:ext uri="{28A0092B-C50C-407E-A947-70E740481C1C}">
-                <a14:useLocalDpi xmlns:a14="http://schemas.microsoft.com/office/drawing/2010/main" val="0"/>
-              </a:ext>
-            </a:extLst>
-          </a:blip>
-          <a:srcRect/>
+          <a:blip r:embed="rId3"/>
           <a:stretch>
             <a:fillRect/>
           </a:stretch>
         </p:blipFill>
-        <p:spPr bwMode="auto">
+        <p:spPr>
           <a:xfrm>
-            <a:off x="14498851" y="0"/>
-            <a:ext cx="3775702" cy="1905000"/>
+            <a:off x="15412056" y="-27709"/>
+            <a:ext cx="2896004" cy="1409897"/>
           </a:xfrm>
           <a:prstGeom prst="rect">
             <a:avLst/>
           </a:prstGeom>
-          <a:noFill/>
-          <a:extLst>
-            <a:ext uri="{909E8E84-426E-40DD-AFC4-6F175D3DCCD1}">
-              <a14:hiddenFill xmlns:a14="http://schemas.microsoft.com/office/drawing/2010/main">
-                <a:solidFill>
-                  <a:srgbClr val="FFFFFF"/>
-                </a:solidFill>
-              </a14:hiddenFill>
-            </a:ext>
-          </a:extLst>
+          <a:ln>
+            <a:noFill/>
+          </a:ln>
+          <a:effectLst>
+            <a:outerShdw blurRad="292100" dist="139700" dir="2700000" algn="tl" rotWithShape="0">
+              <a:srgbClr val="333333">
+                <a:alpha val="65000"/>
+              </a:srgbClr>
+            </a:outerShdw>
+          </a:effectLst>
         </p:spPr>
       </p:pic>
     </p:spTree>
@@ -4953,6 +4845,46 @@
           </a:extLst>
         </p:spPr>
       </p:pic>
+      <p:pic>
+        <p:nvPicPr>
+          <p:cNvPr id="7" name="Image 6" descr="Une image contenant texte&#10;&#10;Description générée automatiquement">
+            <a:extLst>
+              <a:ext uri="{FF2B5EF4-FFF2-40B4-BE49-F238E27FC236}">
+                <a16:creationId xmlns:a16="http://schemas.microsoft.com/office/drawing/2014/main" id="{FBF40E3C-69D6-4B4F-982C-8E79567D224F}"/>
+              </a:ext>
+            </a:extLst>
+          </p:cNvPr>
+          <p:cNvPicPr>
+            <a:picLocks noChangeAspect="1"/>
+          </p:cNvPicPr>
+          <p:nvPr/>
+        </p:nvPicPr>
+        <p:blipFill>
+          <a:blip r:embed="rId3"/>
+          <a:stretch>
+            <a:fillRect/>
+          </a:stretch>
+        </p:blipFill>
+        <p:spPr>
+          <a:xfrm>
+            <a:off x="15341815" y="0"/>
+            <a:ext cx="2896004" cy="1409897"/>
+          </a:xfrm>
+          <a:prstGeom prst="rect">
+            <a:avLst/>
+          </a:prstGeom>
+          <a:ln>
+            <a:noFill/>
+          </a:ln>
+          <a:effectLst>
+            <a:outerShdw blurRad="292100" dist="139700" dir="2700000" algn="tl" rotWithShape="0">
+              <a:srgbClr val="333333">
+                <a:alpha val="65000"/>
+              </a:srgbClr>
+            </a:outerShdw>
+          </a:effectLst>
+        </p:spPr>
+      </p:pic>
     </p:spTree>
     <p:extLst>
       <p:ext uri="{BB962C8B-B14F-4D97-AF65-F5344CB8AC3E}">
@@ -5180,7 +5112,7 @@
         </p:nvGrpSpPr>
         <p:grpSpPr bwMode="auto">
           <a:xfrm flipH="1">
-            <a:off x="11015663" y="2856193"/>
+            <a:off x="11015663" y="2056229"/>
             <a:ext cx="4243388" cy="4241800"/>
             <a:chOff x="0" y="0"/>
             <a:chExt cx="4241801" cy="4241801"/>
@@ -5300,7 +5232,7 @@
             <a:effectLst/>
             <a:extLst>
               <a:ext uri="{AF507438-7753-43e0-B8FC-AC1667EBCBE1}">
-                <a14:hiddenEffects xmlns:a14="http://schemas.microsoft.com/office/drawing/2010/main" xmlns="">
+                <a14:hiddenEffects xmlns="" xmlns:a14="http://schemas.microsoft.com/office/drawing/2010/main">
                   <a:effectLst>
                     <a:outerShdw blurRad="63500" dist="38099" dir="2700000" algn="ctr" rotWithShape="0">
                       <a:srgbClr val="000000">
@@ -5433,7 +5365,7 @@
             <a:effectLst/>
             <a:extLst>
               <a:ext uri="{AF507438-7753-43e0-B8FC-AC1667EBCBE1}">
-                <a14:hiddenEffects xmlns:a14="http://schemas.microsoft.com/office/drawing/2010/main" xmlns="">
+                <a14:hiddenEffects xmlns="" xmlns:a14="http://schemas.microsoft.com/office/drawing/2010/main">
                   <a:effectLst>
                     <a:outerShdw blurRad="63500" dist="38099" dir="2700000" algn="ctr" rotWithShape="0">
                       <a:srgbClr val="000000">
@@ -5609,7 +5541,7 @@
         </p:nvGrpSpPr>
         <p:grpSpPr bwMode="auto">
           <a:xfrm flipH="1">
-            <a:off x="11017252" y="8407400"/>
+            <a:off x="11017252" y="7607436"/>
             <a:ext cx="4243387" cy="4241800"/>
             <a:chOff x="0" y="0"/>
             <a:chExt cx="4241801" cy="4241801"/>
@@ -5729,7 +5661,7 @@
             <a:effectLst/>
             <a:extLst>
               <a:ext uri="{AF507438-7753-43e0-B8FC-AC1667EBCBE1}">
-                <a14:hiddenEffects xmlns:a14="http://schemas.microsoft.com/office/drawing/2010/main" xmlns="">
+                <a14:hiddenEffects xmlns="" xmlns:a14="http://schemas.microsoft.com/office/drawing/2010/main">
                   <a:effectLst>
                     <a:outerShdw blurRad="63500" dist="38099" dir="2700000" algn="ctr" rotWithShape="0">
                       <a:srgbClr val="000000">
@@ -5862,7 +5794,7 @@
             <a:effectLst/>
             <a:extLst>
               <a:ext uri="{AF507438-7753-43e0-B8FC-AC1667EBCBE1}">
-                <a14:hiddenEffects xmlns:a14="http://schemas.microsoft.com/office/drawing/2010/main" xmlns="">
+                <a14:hiddenEffects xmlns="" xmlns:a14="http://schemas.microsoft.com/office/drawing/2010/main">
                   <a:effectLst>
                     <a:outerShdw blurRad="63500" dist="38099" dir="2700000" algn="ctr" rotWithShape="0">
                       <a:srgbClr val="000000">
@@ -6038,7 +5970,7 @@
         </p:nvGrpSpPr>
         <p:grpSpPr bwMode="auto">
           <a:xfrm flipH="1">
-            <a:off x="3028950" y="8407400"/>
+            <a:off x="3028950" y="7607436"/>
             <a:ext cx="4241800" cy="4241800"/>
             <a:chOff x="0" y="0"/>
             <a:chExt cx="4241801" cy="4241801"/>
@@ -6158,7 +6090,7 @@
             <a:effectLst/>
             <a:extLst>
               <a:ext uri="{AF507438-7753-43e0-B8FC-AC1667EBCBE1}">
-                <a14:hiddenEffects xmlns:a14="http://schemas.microsoft.com/office/drawing/2010/main" xmlns="">
+                <a14:hiddenEffects xmlns="" xmlns:a14="http://schemas.microsoft.com/office/drawing/2010/main">
                   <a:effectLst>
                     <a:outerShdw blurRad="63500" dist="38099" dir="2700000" algn="ctr" rotWithShape="0">
                       <a:srgbClr val="000000">
@@ -6291,7 +6223,7 @@
             <a:effectLst/>
             <a:extLst>
               <a:ext uri="{AF507438-7753-43e0-B8FC-AC1667EBCBE1}">
-                <a14:hiddenEffects xmlns:a14="http://schemas.microsoft.com/office/drawing/2010/main" xmlns="">
+                <a14:hiddenEffects xmlns="" xmlns:a14="http://schemas.microsoft.com/office/drawing/2010/main">
                   <a:effectLst>
                     <a:outerShdw blurRad="63500" dist="38099" dir="2700000" algn="ctr" rotWithShape="0">
                       <a:srgbClr val="000000">
@@ -6467,7 +6399,7 @@
         </p:nvGrpSpPr>
         <p:grpSpPr bwMode="auto">
           <a:xfrm flipH="1">
-            <a:off x="3028949" y="2844800"/>
+            <a:off x="3028949" y="2044836"/>
             <a:ext cx="4241800" cy="4241800"/>
             <a:chOff x="0" y="0"/>
             <a:chExt cx="4241801" cy="4241801"/>
@@ -6587,7 +6519,7 @@
             <a:effectLst/>
             <a:extLst>
               <a:ext uri="{AF507438-7753-43e0-B8FC-AC1667EBCBE1}">
-                <a14:hiddenEffects xmlns:a14="http://schemas.microsoft.com/office/drawing/2010/main" xmlns="">
+                <a14:hiddenEffects xmlns="" xmlns:a14="http://schemas.microsoft.com/office/drawing/2010/main">
                   <a:effectLst>
                     <a:outerShdw blurRad="63500" dist="38099" dir="2700000" algn="ctr" rotWithShape="0">
                       <a:srgbClr val="000000">
@@ -6720,7 +6652,7 @@
             <a:effectLst/>
             <a:extLst>
               <a:ext uri="{AF507438-7753-43e0-B8FC-AC1667EBCBE1}">
-                <a14:hiddenEffects xmlns:a14="http://schemas.microsoft.com/office/drawing/2010/main" xmlns="">
+                <a14:hiddenEffects xmlns="" xmlns:a14="http://schemas.microsoft.com/office/drawing/2010/main">
                   <a:effectLst>
                     <a:outerShdw blurRad="63500" dist="38099" dir="2700000" algn="ctr" rotWithShape="0">
                       <a:srgbClr val="000000">
@@ -6896,7 +6828,7 @@
         </p:nvSpPr>
         <p:spPr bwMode="auto">
           <a:xfrm>
-            <a:off x="4231198" y="6515055"/>
+            <a:off x="4231198" y="5715091"/>
             <a:ext cx="1825813" cy="876300"/>
           </a:xfrm>
           <a:prstGeom prst="roundRect">
@@ -6923,7 +6855,7 @@
           <a:effectLst/>
           <a:extLst>
             <a:ext uri="{AF507438-7753-43e0-B8FC-AC1667EBCBE1}">
-              <a14:hiddenEffects xmlns:a14="http://schemas.microsoft.com/office/drawing/2010/main" xmlns="">
+              <a14:hiddenEffects xmlns="" xmlns:a14="http://schemas.microsoft.com/office/drawing/2010/main">
                 <a:effectLst>
                   <a:outerShdw blurRad="63500" dist="38099" dir="2700000" algn="ctr" rotWithShape="0">
                     <a:srgbClr val="000000">
@@ -7008,7 +6940,7 @@
         </p:nvSpPr>
         <p:spPr bwMode="auto">
           <a:xfrm>
-            <a:off x="11888086" y="6532564"/>
+            <a:off x="11888086" y="5732600"/>
             <a:ext cx="2592388" cy="876300"/>
           </a:xfrm>
           <a:prstGeom prst="roundRect">
@@ -7035,7 +6967,7 @@
           <a:effectLst/>
           <a:extLst>
             <a:ext uri="{AF507438-7753-43e0-B8FC-AC1667EBCBE1}">
-              <a14:hiddenEffects xmlns:a14="http://schemas.microsoft.com/office/drawing/2010/main" xmlns="">
+              <a14:hiddenEffects xmlns="" xmlns:a14="http://schemas.microsoft.com/office/drawing/2010/main">
                 <a:effectLst>
                   <a:outerShdw blurRad="63500" dist="38099" dir="2700000" algn="ctr" rotWithShape="0">
                     <a:srgbClr val="000000">
@@ -7128,7 +7060,7 @@
         </p:nvSpPr>
         <p:spPr bwMode="auto">
           <a:xfrm>
-            <a:off x="4143185" y="12033250"/>
+            <a:off x="4143185" y="11233286"/>
             <a:ext cx="2013326" cy="876300"/>
           </a:xfrm>
           <a:prstGeom prst="roundRect">
@@ -7155,7 +7087,7 @@
           <a:effectLst/>
           <a:extLst>
             <a:ext uri="{AF507438-7753-43e0-B8FC-AC1667EBCBE1}">
-              <a14:hiddenEffects xmlns:a14="http://schemas.microsoft.com/office/drawing/2010/main" xmlns="">
+              <a14:hiddenEffects xmlns="" xmlns:a14="http://schemas.microsoft.com/office/drawing/2010/main">
                 <a:effectLst>
                   <a:outerShdw blurRad="63500" dist="38099" dir="2700000" algn="ctr" rotWithShape="0">
                     <a:srgbClr val="000000">
@@ -7178,17 +7110,6 @@
               <a:defRPr/>
             </a:pPr>
             <a:r>
-              <a:rPr lang="en-US" sz="2400" b="1" dirty="0" err="1">
-                <a:solidFill>
-                  <a:srgbClr val="FFFFFF"/>
-                </a:solidFill>
-                <a:latin typeface="Source Sans Pro" charset="0"/>
-                <a:cs typeface="Source Sans Pro" charset="0"/>
-                <a:sym typeface="Source Sans Pro" charset="0"/>
-              </a:rPr>
-              <a:t>Héloïse</a:t>
-            </a:r>
-            <a:r>
               <a:rPr lang="en-US" sz="2400" b="1" dirty="0">
                 <a:solidFill>
                   <a:srgbClr val="FFFFFF"/>
@@ -7197,7 +7118,7 @@
                 <a:cs typeface="Source Sans Pro" charset="0"/>
                 <a:sym typeface="Source Sans Pro" charset="0"/>
               </a:rPr>
-              <a:t> </a:t>
+              <a:t>Héloïse </a:t>
             </a:r>
             <a:r>
               <a:rPr lang="en-US" sz="2400" b="1" dirty="0" err="1">
@@ -7259,7 +7180,7 @@
         </p:nvSpPr>
         <p:spPr bwMode="auto">
           <a:xfrm>
-            <a:off x="12127009" y="12033250"/>
+            <a:off x="12127009" y="11233286"/>
             <a:ext cx="2362198" cy="876300"/>
           </a:xfrm>
           <a:prstGeom prst="roundRect">
@@ -7286,7 +7207,7 @@
           <a:effectLst/>
           <a:extLst>
             <a:ext uri="{AF507438-7753-43e0-B8FC-AC1667EBCBE1}">
-              <a14:hiddenEffects xmlns:a14="http://schemas.microsoft.com/office/drawing/2010/main" xmlns="">
+              <a14:hiddenEffects xmlns="" xmlns:a14="http://schemas.microsoft.com/office/drawing/2010/main">
                 <a:effectLst>
                   <a:outerShdw blurRad="63500" dist="38099" dir="2700000" algn="ctr" rotWithShape="0">
                     <a:srgbClr val="000000">
@@ -7435,14 +7356,14 @@
           <a:effectLst/>
           <a:extLst>
             <a:ext uri="{909E8E84-426E-40dd-AFC4-6F175D3DCCD1}">
-              <a14:hiddenFill xmlns:a14="http://schemas.microsoft.com/office/drawing/2010/main" xmlns="">
+              <a14:hiddenFill xmlns="" xmlns:a14="http://schemas.microsoft.com/office/drawing/2010/main">
                 <a:solidFill>
                   <a:srgbClr val="FFFFFF"/>
                 </a:solidFill>
               </a14:hiddenFill>
             </a:ext>
             <a:ext uri="{91240B29-F687-4f45-9708-019B960494DF}">
-              <a14:hiddenLine xmlns:a14="http://schemas.microsoft.com/office/drawing/2010/main" xmlns="" w="12700" cap="flat" cmpd="sng">
+              <a14:hiddenLine xmlns="" xmlns:a14="http://schemas.microsoft.com/office/drawing/2010/main" w="12700" cap="flat" cmpd="sng">
                 <a:solidFill>
                   <a:srgbClr val="000000"/>
                 </a:solidFill>
@@ -7453,7 +7374,7 @@
               </a14:hiddenLine>
             </a:ext>
             <a:ext uri="{AF507438-7753-43e0-B8FC-AC1667EBCBE1}">
-              <a14:hiddenEffects xmlns:a14="http://schemas.microsoft.com/office/drawing/2010/main" xmlns="">
+              <a14:hiddenEffects xmlns="" xmlns:a14="http://schemas.microsoft.com/office/drawing/2010/main">
                 <a:effectLst>
                   <a:outerShdw blurRad="63500" dist="38099" dir="2700000" algn="ctr" rotWithShape="0">
                     <a:srgbClr val="000000">
@@ -7491,10 +7412,10 @@
       </p:sp>
       <p:pic>
         <p:nvPicPr>
-          <p:cNvPr id="32" name="Picture 4">
+          <p:cNvPr id="33" name="Espace réservé pour une image  4" descr="Une image contenant dessin&#10;&#10;Description générée automatiquement">
             <a:extLst>
               <a:ext uri="{FF2B5EF4-FFF2-40B4-BE49-F238E27FC236}">
-                <a16:creationId xmlns:a16="http://schemas.microsoft.com/office/drawing/2014/main" id="{95214F9A-2F0D-4AFA-B7B0-CC4D46E89FAB}"/>
+                <a16:creationId xmlns:a16="http://schemas.microsoft.com/office/drawing/2014/main" id="{1CD439B3-8885-4C9E-BE80-290E939E9E14}"/>
               </a:ext>
             </a:extLst>
           </p:cNvPr>
@@ -7511,37 +7432,101 @@
               </a:ext>
             </a:extLst>
           </a:blip>
-          <a:srcRect/>
+          <a:srcRect l="21875" r="21875"/>
           <a:stretch>
             <a:fillRect/>
           </a:stretch>
         </p:blipFill>
-        <p:spPr bwMode="auto">
+        <p:spPr>
           <a:xfrm>
-            <a:off x="14498851" y="0"/>
-            <a:ext cx="3775702" cy="1905000"/>
+            <a:off x="3801267" y="2827520"/>
+            <a:ext cx="2697162" cy="2697162"/>
           </a:xfrm>
           <a:prstGeom prst="rect">
             <a:avLst/>
           </a:prstGeom>
-          <a:noFill/>
-          <a:extLst>
-            <a:ext uri="{909E8E84-426E-40DD-AFC4-6F175D3DCCD1}">
-              <a14:hiddenFill xmlns:a14="http://schemas.microsoft.com/office/drawing/2010/main">
-                <a:solidFill>
-                  <a:srgbClr val="FFFFFF"/>
-                </a:solidFill>
-              </a14:hiddenFill>
-            </a:ext>
-          </a:extLst>
         </p:spPr>
       </p:pic>
       <p:pic>
         <p:nvPicPr>
-          <p:cNvPr id="33" name="Espace réservé pour une image  4" descr="Une image contenant dessin&#10;&#10;Description générée automatiquement">
+          <p:cNvPr id="34" name="Espace réservé pour une image  4" descr="Une image contenant dessin&#10;&#10;Description générée automatiquement">
             <a:extLst>
               <a:ext uri="{FF2B5EF4-FFF2-40B4-BE49-F238E27FC236}">
-                <a16:creationId xmlns:a16="http://schemas.microsoft.com/office/drawing/2014/main" id="{1CD439B3-8885-4C9E-BE80-290E939E9E14}"/>
+                <a16:creationId xmlns:a16="http://schemas.microsoft.com/office/drawing/2014/main" id="{02EBB6FE-A455-4A03-B725-B059BE7D2220}"/>
+              </a:ext>
+            </a:extLst>
+          </p:cNvPr>
+          <p:cNvPicPr>
+            <a:picLocks noChangeAspect="1" noChangeArrowheads="1"/>
+          </p:cNvPicPr>
+          <p:nvPr/>
+        </p:nvPicPr>
+        <p:blipFill>
+          <a:blip r:embed="rId2">
+            <a:extLst>
+              <a:ext uri="{28A0092B-C50C-407E-A947-70E740481C1C}">
+                <a14:useLocalDpi xmlns:a14="http://schemas.microsoft.com/office/drawing/2010/main" val="0"/>
+              </a:ext>
+            </a:extLst>
+          </a:blip>
+          <a:srcRect l="21875" r="21875"/>
+          <a:stretch>
+            <a:fillRect/>
+          </a:stretch>
+        </p:blipFill>
+        <p:spPr>
+          <a:xfrm>
+            <a:off x="11835699" y="2817155"/>
+            <a:ext cx="2697162" cy="2697162"/>
+          </a:xfrm>
+          <a:prstGeom prst="rect">
+            <a:avLst/>
+          </a:prstGeom>
+        </p:spPr>
+      </p:pic>
+      <p:pic>
+        <p:nvPicPr>
+          <p:cNvPr id="35" name="Espace réservé pour une image  4" descr="Une image contenant dessin&#10;&#10;Description générée automatiquement">
+            <a:extLst>
+              <a:ext uri="{FF2B5EF4-FFF2-40B4-BE49-F238E27FC236}">
+                <a16:creationId xmlns:a16="http://schemas.microsoft.com/office/drawing/2014/main" id="{9D9EC420-814B-4DBB-8FB1-E7A52C559B39}"/>
+              </a:ext>
+            </a:extLst>
+          </p:cNvPr>
+          <p:cNvPicPr>
+            <a:picLocks noChangeAspect="1" noChangeArrowheads="1"/>
+          </p:cNvPicPr>
+          <p:nvPr/>
+        </p:nvPicPr>
+        <p:blipFill>
+          <a:blip r:embed="rId2">
+            <a:extLst>
+              <a:ext uri="{28A0092B-C50C-407E-A947-70E740481C1C}">
+                <a14:useLocalDpi xmlns:a14="http://schemas.microsoft.com/office/drawing/2010/main" val="0"/>
+              </a:ext>
+            </a:extLst>
+          </a:blip>
+          <a:srcRect l="21875" r="21875"/>
+          <a:stretch>
+            <a:fillRect/>
+          </a:stretch>
+        </p:blipFill>
+        <p:spPr>
+          <a:xfrm>
+            <a:off x="11959527" y="8379755"/>
+            <a:ext cx="2697162" cy="2697162"/>
+          </a:xfrm>
+          <a:prstGeom prst="rect">
+            <a:avLst/>
+          </a:prstGeom>
+        </p:spPr>
+      </p:pic>
+      <p:pic>
+        <p:nvPicPr>
+          <p:cNvPr id="36" name="Espace réservé pour une image  5" descr="Une image contenant dessin&#10;&#10;Description générée automatiquement">
+            <a:extLst>
+              <a:ext uri="{FF2B5EF4-FFF2-40B4-BE49-F238E27FC236}">
+                <a16:creationId xmlns:a16="http://schemas.microsoft.com/office/drawing/2014/main" id="{E4C888C8-EF79-4810-97C5-ECF3EDD02BB4}"/>
               </a:ext>
             </a:extLst>
           </p:cNvPr>
@@ -7565,7 +7550,7 @@
         </p:blipFill>
         <p:spPr>
           <a:xfrm>
-            <a:off x="3801267" y="3627484"/>
+            <a:off x="3801267" y="8379755"/>
             <a:ext cx="2697162" cy="2697162"/>
           </a:xfrm>
           <a:prstGeom prst="rect">
@@ -7575,113 +7560,42 @@
       </p:pic>
       <p:pic>
         <p:nvPicPr>
-          <p:cNvPr id="34" name="Espace réservé pour une image  4" descr="Une image contenant dessin&#10;&#10;Description générée automatiquement">
+          <p:cNvPr id="37" name="Image 36" descr="Une image contenant texte&#10;&#10;Description générée automatiquement">
             <a:extLst>
               <a:ext uri="{FF2B5EF4-FFF2-40B4-BE49-F238E27FC236}">
-                <a16:creationId xmlns:a16="http://schemas.microsoft.com/office/drawing/2014/main" id="{02EBB6FE-A455-4A03-B725-B059BE7D2220}"/>
+                <a16:creationId xmlns:a16="http://schemas.microsoft.com/office/drawing/2014/main" id="{FA3DFE91-6480-456D-AA66-061AF57ADBF6}"/>
               </a:ext>
             </a:extLst>
           </p:cNvPr>
           <p:cNvPicPr>
-            <a:picLocks noChangeAspect="1" noChangeArrowheads="1"/>
+            <a:picLocks noChangeAspect="1"/>
           </p:cNvPicPr>
           <p:nvPr/>
         </p:nvPicPr>
         <p:blipFill>
-          <a:blip r:embed="rId3">
-            <a:extLst>
-              <a:ext uri="{28A0092B-C50C-407E-A947-70E740481C1C}">
-                <a14:useLocalDpi xmlns:a14="http://schemas.microsoft.com/office/drawing/2010/main" val="0"/>
-              </a:ext>
-            </a:extLst>
-          </a:blip>
-          <a:srcRect l="21875" r="21875"/>
+          <a:blip r:embed="rId4"/>
           <a:stretch>
             <a:fillRect/>
           </a:stretch>
         </p:blipFill>
         <p:spPr>
           <a:xfrm>
-            <a:off x="11835699" y="3617119"/>
-            <a:ext cx="2697162" cy="2697162"/>
+            <a:off x="15259051" y="136889"/>
+            <a:ext cx="2896004" cy="1409897"/>
           </a:xfrm>
           <a:prstGeom prst="rect">
             <a:avLst/>
           </a:prstGeom>
-        </p:spPr>
-      </p:pic>
-      <p:pic>
-        <p:nvPicPr>
-          <p:cNvPr id="35" name="Espace réservé pour une image  4" descr="Une image contenant dessin&#10;&#10;Description générée automatiquement">
-            <a:extLst>
-              <a:ext uri="{FF2B5EF4-FFF2-40B4-BE49-F238E27FC236}">
-                <a16:creationId xmlns:a16="http://schemas.microsoft.com/office/drawing/2014/main" id="{9D9EC420-814B-4DBB-8FB1-E7A52C559B39}"/>
-              </a:ext>
-            </a:extLst>
-          </p:cNvPr>
-          <p:cNvPicPr>
-            <a:picLocks noChangeAspect="1" noChangeArrowheads="1"/>
-          </p:cNvPicPr>
-          <p:nvPr/>
-        </p:nvPicPr>
-        <p:blipFill>
-          <a:blip r:embed="rId3">
-            <a:extLst>
-              <a:ext uri="{28A0092B-C50C-407E-A947-70E740481C1C}">
-                <a14:useLocalDpi xmlns:a14="http://schemas.microsoft.com/office/drawing/2010/main" val="0"/>
-              </a:ext>
-            </a:extLst>
-          </a:blip>
-          <a:srcRect l="21875" r="21875"/>
-          <a:stretch>
-            <a:fillRect/>
-          </a:stretch>
-        </p:blipFill>
-        <p:spPr>
-          <a:xfrm>
-            <a:off x="11959527" y="9179719"/>
-            <a:ext cx="2697162" cy="2697162"/>
-          </a:xfrm>
-          <a:prstGeom prst="rect">
-            <a:avLst/>
-          </a:prstGeom>
-        </p:spPr>
-      </p:pic>
-      <p:pic>
-        <p:nvPicPr>
-          <p:cNvPr id="36" name="Espace réservé pour une image  5" descr="Une image contenant dessin&#10;&#10;Description générée automatiquement">
-            <a:extLst>
-              <a:ext uri="{FF2B5EF4-FFF2-40B4-BE49-F238E27FC236}">
-                <a16:creationId xmlns:a16="http://schemas.microsoft.com/office/drawing/2014/main" id="{E4C888C8-EF79-4810-97C5-ECF3EDD02BB4}"/>
-              </a:ext>
-            </a:extLst>
-          </p:cNvPr>
-          <p:cNvPicPr>
-            <a:picLocks noChangeAspect="1" noChangeArrowheads="1"/>
-          </p:cNvPicPr>
-          <p:nvPr/>
-        </p:nvPicPr>
-        <p:blipFill>
-          <a:blip r:embed="rId4">
-            <a:extLst>
-              <a:ext uri="{28A0092B-C50C-407E-A947-70E740481C1C}">
-                <a14:useLocalDpi xmlns:a14="http://schemas.microsoft.com/office/drawing/2010/main" val="0"/>
-              </a:ext>
-            </a:extLst>
-          </a:blip>
-          <a:srcRect l="21875" r="21875"/>
-          <a:stretch>
-            <a:fillRect/>
-          </a:stretch>
-        </p:blipFill>
-        <p:spPr>
-          <a:xfrm>
-            <a:off x="3801267" y="9179719"/>
-            <a:ext cx="2697162" cy="2697162"/>
-          </a:xfrm>
-          <a:prstGeom prst="rect">
-            <a:avLst/>
-          </a:prstGeom>
+          <a:ln>
+            <a:noFill/>
+          </a:ln>
+          <a:effectLst>
+            <a:outerShdw blurRad="292100" dist="139700" dir="2700000" algn="tl" rotWithShape="0">
+              <a:srgbClr val="333333">
+                <a:alpha val="65000"/>
+              </a:srgbClr>
+            </a:outerShdw>
+          </a:effectLst>
         </p:spPr>
       </p:pic>
     </p:spTree>
@@ -8086,6 +8000,46 @@
               </a14:hiddenLine>
             </a:ext>
           </a:extLst>
+        </p:spPr>
+      </p:pic>
+      <p:pic>
+        <p:nvPicPr>
+          <p:cNvPr id="7" name="Image 6" descr="Une image contenant texte&#10;&#10;Description générée automatiquement">
+            <a:extLst>
+              <a:ext uri="{FF2B5EF4-FFF2-40B4-BE49-F238E27FC236}">
+                <a16:creationId xmlns:a16="http://schemas.microsoft.com/office/drawing/2014/main" id="{40002E24-2501-4665-BB94-A0CC44199DA3}"/>
+              </a:ext>
+            </a:extLst>
+          </p:cNvPr>
+          <p:cNvPicPr>
+            <a:picLocks noChangeAspect="1"/>
+          </p:cNvPicPr>
+          <p:nvPr/>
+        </p:nvPicPr>
+        <p:blipFill>
+          <a:blip r:embed="rId3"/>
+          <a:stretch>
+            <a:fillRect/>
+          </a:stretch>
+        </p:blipFill>
+        <p:spPr>
+          <a:xfrm>
+            <a:off x="15341815" y="0"/>
+            <a:ext cx="2896004" cy="1409897"/>
+          </a:xfrm>
+          <a:prstGeom prst="rect">
+            <a:avLst/>
+          </a:prstGeom>
+          <a:ln>
+            <a:noFill/>
+          </a:ln>
+          <a:effectLst>
+            <a:outerShdw blurRad="292100" dist="139700" dir="2700000" algn="tl" rotWithShape="0">
+              <a:srgbClr val="333333">
+                <a:alpha val="65000"/>
+              </a:srgbClr>
+            </a:outerShdw>
+          </a:effectLst>
         </p:spPr>
       </p:pic>
     </p:spTree>
@@ -8341,14 +8295,14 @@
           <a:effectLst/>
           <a:extLst>
             <a:ext uri="{909E8E84-426E-40dd-AFC4-6F175D3DCCD1}">
-              <a14:hiddenFill xmlns:a14="http://schemas.microsoft.com/office/drawing/2010/main" xmlns="">
+              <a14:hiddenFill xmlns="" xmlns:a14="http://schemas.microsoft.com/office/drawing/2010/main">
                 <a:solidFill>
                   <a:srgbClr val="FFFFFF"/>
                 </a:solidFill>
               </a14:hiddenFill>
             </a:ext>
             <a:ext uri="{91240B29-F687-4f45-9708-019B960494DF}">
-              <a14:hiddenLine xmlns:a14="http://schemas.microsoft.com/office/drawing/2010/main" xmlns="" w="12700" cap="flat" cmpd="sng">
+              <a14:hiddenLine xmlns="" xmlns:a14="http://schemas.microsoft.com/office/drawing/2010/main" w="12700" cap="flat" cmpd="sng">
                 <a:solidFill>
                   <a:srgbClr val="000000"/>
                 </a:solidFill>
@@ -8359,7 +8313,7 @@
               </a14:hiddenLine>
             </a:ext>
             <a:ext uri="{AF507438-7753-43e0-B8FC-AC1667EBCBE1}">
-              <a14:hiddenEffects xmlns:a14="http://schemas.microsoft.com/office/drawing/2010/main" xmlns="">
+              <a14:hiddenEffects xmlns="" xmlns:a14="http://schemas.microsoft.com/office/drawing/2010/main">
                 <a:effectLst>
                   <a:outerShdw blurRad="63500" dist="38099" dir="2700000" algn="ctr" rotWithShape="0">
                     <a:srgbClr val="000000">
@@ -8491,14 +8445,14 @@
           <a:effectLst/>
           <a:extLst>
             <a:ext uri="{909E8E84-426E-40dd-AFC4-6F175D3DCCD1}">
-              <a14:hiddenFill xmlns:a14="http://schemas.microsoft.com/office/drawing/2010/main" xmlns="">
+              <a14:hiddenFill xmlns="" xmlns:a14="http://schemas.microsoft.com/office/drawing/2010/main">
                 <a:solidFill>
                   <a:srgbClr val="FFFFFF"/>
                 </a:solidFill>
               </a14:hiddenFill>
             </a:ext>
             <a:ext uri="{91240B29-F687-4f45-9708-019B960494DF}">
-              <a14:hiddenLine xmlns:a14="http://schemas.microsoft.com/office/drawing/2010/main" xmlns="" w="12700" cap="flat" cmpd="sng">
+              <a14:hiddenLine xmlns="" xmlns:a14="http://schemas.microsoft.com/office/drawing/2010/main" w="12700" cap="flat" cmpd="sng">
                 <a:solidFill>
                   <a:srgbClr val="000000"/>
                 </a:solidFill>
@@ -8509,7 +8463,7 @@
               </a14:hiddenLine>
             </a:ext>
             <a:ext uri="{AF507438-7753-43e0-B8FC-AC1667EBCBE1}">
-              <a14:hiddenEffects xmlns:a14="http://schemas.microsoft.com/office/drawing/2010/main" xmlns="">
+              <a14:hiddenEffects xmlns="" xmlns:a14="http://schemas.microsoft.com/office/drawing/2010/main">
                 <a:effectLst>
                   <a:outerShdw blurRad="63500" dist="38099" dir="2700000" algn="ctr" rotWithShape="0">
                     <a:srgbClr val="000000">
@@ -8882,7 +8836,7 @@
         </p:nvSpPr>
         <p:spPr>
           <a:xfrm>
-            <a:off x="11542167" y="8872128"/>
+            <a:off x="11885510" y="8872128"/>
             <a:ext cx="6324600" cy="707886"/>
           </a:xfrm>
           <a:prstGeom prst="rect">
@@ -8898,56 +8852,49 @@
           <a:p>
             <a:r>
               <a:rPr lang="fr-FR" sz="4000" dirty="0"/>
-              <a:t>Possibilité de multi joueur</a:t>
+              <a:t>Possibilité de multi-joueurs</a:t>
             </a:r>
           </a:p>
         </p:txBody>
       </p:sp>
       <p:pic>
         <p:nvPicPr>
-          <p:cNvPr id="24" name="Picture 4">
+          <p:cNvPr id="19" name="Image 18" descr="Une image contenant texte&#10;&#10;Description générée automatiquement">
             <a:extLst>
               <a:ext uri="{FF2B5EF4-FFF2-40B4-BE49-F238E27FC236}">
-                <a16:creationId xmlns:a16="http://schemas.microsoft.com/office/drawing/2014/main" id="{B6C6C085-FC27-4A97-A797-2E16CEB32652}"/>
+                <a16:creationId xmlns:a16="http://schemas.microsoft.com/office/drawing/2014/main" id="{0AF0BFBE-6824-4497-9FF8-CD310EC706F3}"/>
               </a:ext>
             </a:extLst>
           </p:cNvPr>
           <p:cNvPicPr>
-            <a:picLocks noChangeAspect="1" noChangeArrowheads="1"/>
+            <a:picLocks noChangeAspect="1"/>
           </p:cNvPicPr>
           <p:nvPr/>
         </p:nvPicPr>
         <p:blipFill>
-          <a:blip r:embed="rId4">
-            <a:extLst>
-              <a:ext uri="{28A0092B-C50C-407E-A947-70E740481C1C}">
-                <a14:useLocalDpi xmlns:a14="http://schemas.microsoft.com/office/drawing/2010/main" val="0"/>
-              </a:ext>
-            </a:extLst>
-          </a:blip>
-          <a:srcRect/>
+          <a:blip r:embed="rId4"/>
           <a:stretch>
             <a:fillRect/>
           </a:stretch>
         </p:blipFill>
-        <p:spPr bwMode="auto">
+        <p:spPr>
           <a:xfrm>
-            <a:off x="14498851" y="0"/>
-            <a:ext cx="3775702" cy="1905000"/>
+            <a:off x="15341815" y="0"/>
+            <a:ext cx="2896004" cy="1409897"/>
           </a:xfrm>
           <a:prstGeom prst="rect">
             <a:avLst/>
           </a:prstGeom>
-          <a:noFill/>
-          <a:extLst>
-            <a:ext uri="{909E8E84-426E-40DD-AFC4-6F175D3DCCD1}">
-              <a14:hiddenFill xmlns:a14="http://schemas.microsoft.com/office/drawing/2010/main">
-                <a:solidFill>
-                  <a:srgbClr val="FFFFFF"/>
-                </a:solidFill>
-              </a14:hiddenFill>
-            </a:ext>
-          </a:extLst>
+          <a:ln>
+            <a:noFill/>
+          </a:ln>
+          <a:effectLst>
+            <a:outerShdw blurRad="292100" dist="139700" dir="2700000" algn="tl" rotWithShape="0">
+              <a:srgbClr val="333333">
+                <a:alpha val="65000"/>
+              </a:srgbClr>
+            </a:outerShdw>
+          </a:effectLst>
         </p:spPr>
       </p:pic>
     </p:spTree>
@@ -9345,6 +9292,46 @@
               </a14:hiddenLine>
             </a:ext>
           </a:extLst>
+        </p:spPr>
+      </p:pic>
+      <p:pic>
+        <p:nvPicPr>
+          <p:cNvPr id="7" name="Image 6" descr="Une image contenant texte&#10;&#10;Description générée automatiquement">
+            <a:extLst>
+              <a:ext uri="{FF2B5EF4-FFF2-40B4-BE49-F238E27FC236}">
+                <a16:creationId xmlns:a16="http://schemas.microsoft.com/office/drawing/2014/main" id="{C480F699-2365-4021-AECC-7C8CBD0E4482}"/>
+              </a:ext>
+            </a:extLst>
+          </p:cNvPr>
+          <p:cNvPicPr>
+            <a:picLocks noChangeAspect="1"/>
+          </p:cNvPicPr>
+          <p:nvPr/>
+        </p:nvPicPr>
+        <p:blipFill>
+          <a:blip r:embed="rId3"/>
+          <a:stretch>
+            <a:fillRect/>
+          </a:stretch>
+        </p:blipFill>
+        <p:spPr>
+          <a:xfrm>
+            <a:off x="15341815" y="0"/>
+            <a:ext cx="2896004" cy="1409897"/>
+          </a:xfrm>
+          <a:prstGeom prst="rect">
+            <a:avLst/>
+          </a:prstGeom>
+          <a:ln>
+            <a:noFill/>
+          </a:ln>
+          <a:effectLst>
+            <a:outerShdw blurRad="292100" dist="139700" dir="2700000" algn="tl" rotWithShape="0">
+              <a:srgbClr val="333333">
+                <a:alpha val="65000"/>
+              </a:srgbClr>
+            </a:outerShdw>
+          </a:effectLst>
         </p:spPr>
       </p:pic>
     </p:spTree>
@@ -9967,49 +9954,42 @@
       </p:grpSp>
       <p:pic>
         <p:nvPicPr>
-          <p:cNvPr id="8" name="Picture 4">
+          <p:cNvPr id="9" name="Image 8" descr="Une image contenant texte&#10;&#10;Description générée automatiquement">
             <a:extLst>
               <a:ext uri="{FF2B5EF4-FFF2-40B4-BE49-F238E27FC236}">
-                <a16:creationId xmlns:a16="http://schemas.microsoft.com/office/drawing/2014/main" id="{8D978320-A0B7-4DBB-8950-7BC9159929C0}"/>
+                <a16:creationId xmlns:a16="http://schemas.microsoft.com/office/drawing/2014/main" id="{A3F66592-900A-4C2C-A396-5147BC4C1760}"/>
               </a:ext>
             </a:extLst>
           </p:cNvPr>
           <p:cNvPicPr>
-            <a:picLocks noChangeAspect="1" noChangeArrowheads="1"/>
+            <a:picLocks noChangeAspect="1"/>
           </p:cNvPicPr>
           <p:nvPr/>
         </p:nvPicPr>
         <p:blipFill>
-          <a:blip r:embed="rId3">
-            <a:extLst>
-              <a:ext uri="{28A0092B-C50C-407E-A947-70E740481C1C}">
-                <a14:useLocalDpi xmlns:a14="http://schemas.microsoft.com/office/drawing/2010/main" val="0"/>
-              </a:ext>
-            </a:extLst>
-          </a:blip>
-          <a:srcRect/>
+          <a:blip r:embed="rId3"/>
           <a:stretch>
             <a:fillRect/>
           </a:stretch>
         </p:blipFill>
-        <p:spPr bwMode="auto">
+        <p:spPr>
           <a:xfrm>
-            <a:off x="14498851" y="0"/>
-            <a:ext cx="3775702" cy="1905000"/>
+            <a:off x="15341815" y="0"/>
+            <a:ext cx="2896004" cy="1409897"/>
           </a:xfrm>
           <a:prstGeom prst="rect">
             <a:avLst/>
           </a:prstGeom>
-          <a:noFill/>
-          <a:extLst>
-            <a:ext uri="{909E8E84-426E-40DD-AFC4-6F175D3DCCD1}">
-              <a14:hiddenFill xmlns:a14="http://schemas.microsoft.com/office/drawing/2010/main">
-                <a:solidFill>
-                  <a:srgbClr val="FFFFFF"/>
-                </a:solidFill>
-              </a14:hiddenFill>
-            </a:ext>
-          </a:extLst>
+          <a:ln>
+            <a:noFill/>
+          </a:ln>
+          <a:effectLst>
+            <a:outerShdw blurRad="292100" dist="139700" dir="2700000" algn="tl" rotWithShape="0">
+              <a:srgbClr val="333333">
+                <a:alpha val="65000"/>
+              </a:srgbClr>
+            </a:outerShdw>
+          </a:effectLst>
         </p:spPr>
       </p:pic>
     </p:spTree>
@@ -10445,7 +10425,7 @@
         <a:effectLst/>
         <a:extLst>
           <a:ext uri="{AF507438-7753-43e0-B8FC-AC1667EBCBE1}">
-            <a14:hiddenEffects xmlns:a14="http://schemas.microsoft.com/office/drawing/2010/main" xmlns="">
+            <a14:hiddenEffects xmlns="" xmlns:a14="http://schemas.microsoft.com/office/drawing/2010/main">
               <a:effectLst>
                 <a:outerShdw blurRad="63500" dist="38099" dir="2700000" algn="ctr" rotWithShape="0">
                   <a:schemeClr val="bg2">
@@ -10525,7 +10505,7 @@
         <a:effectLst/>
         <a:extLst>
           <a:ext uri="{AF507438-7753-43e0-B8FC-AC1667EBCBE1}">
-            <a14:hiddenEffects xmlns:a14="http://schemas.microsoft.com/office/drawing/2010/main" xmlns="">
+            <a14:hiddenEffects xmlns="" xmlns:a14="http://schemas.microsoft.com/office/drawing/2010/main">
               <a:effectLst>
                 <a:outerShdw blurRad="63500" dist="38099" dir="2700000" algn="ctr" rotWithShape="0">
                   <a:schemeClr val="bg2">
